--- a/assets/logo.pptx
+++ b/assets/logo.pptx
@@ -6,6 +6,7 @@
   </p:sldMasterIdLst>
   <p:sldIdLst>
     <p:sldId id="256" r:id="rId2"/>
+    <p:sldId id="257" r:id="rId3"/>
   </p:sldIdLst>
   <p:sldSz cx="12192000" cy="6858000"/>
   <p:notesSz cx="6858000" cy="9144000"/>
@@ -261,7 +262,7 @@
           <a:p>
             <a:fld id="{946EE4F6-31C8-EE47-AB2E-B5A95A2ECAB6}" type="datetimeFigureOut">
               <a:rPr lang="es-CO" smtClean="0"/>
-              <a:t>1/10/23</a:t>
+              <a:t>13/12/24</a:t>
             </a:fld>
             <a:endParaRPr lang="es-CO"/>
           </a:p>
@@ -461,7 +462,7 @@
           <a:p>
             <a:fld id="{946EE4F6-31C8-EE47-AB2E-B5A95A2ECAB6}" type="datetimeFigureOut">
               <a:rPr lang="es-CO" smtClean="0"/>
-              <a:t>1/10/23</a:t>
+              <a:t>13/12/24</a:t>
             </a:fld>
             <a:endParaRPr lang="es-CO"/>
           </a:p>
@@ -671,7 +672,7 @@
           <a:p>
             <a:fld id="{946EE4F6-31C8-EE47-AB2E-B5A95A2ECAB6}" type="datetimeFigureOut">
               <a:rPr lang="es-CO" smtClean="0"/>
-              <a:t>1/10/23</a:t>
+              <a:t>13/12/24</a:t>
             </a:fld>
             <a:endParaRPr lang="es-CO"/>
           </a:p>
@@ -871,7 +872,7 @@
           <a:p>
             <a:fld id="{946EE4F6-31C8-EE47-AB2E-B5A95A2ECAB6}" type="datetimeFigureOut">
               <a:rPr lang="es-CO" smtClean="0"/>
-              <a:t>1/10/23</a:t>
+              <a:t>13/12/24</a:t>
             </a:fld>
             <a:endParaRPr lang="es-CO"/>
           </a:p>
@@ -1147,7 +1148,7 @@
           <a:p>
             <a:fld id="{946EE4F6-31C8-EE47-AB2E-B5A95A2ECAB6}" type="datetimeFigureOut">
               <a:rPr lang="es-CO" smtClean="0"/>
-              <a:t>1/10/23</a:t>
+              <a:t>13/12/24</a:t>
             </a:fld>
             <a:endParaRPr lang="es-CO"/>
           </a:p>
@@ -1415,7 +1416,7 @@
           <a:p>
             <a:fld id="{946EE4F6-31C8-EE47-AB2E-B5A95A2ECAB6}" type="datetimeFigureOut">
               <a:rPr lang="es-CO" smtClean="0"/>
-              <a:t>1/10/23</a:t>
+              <a:t>13/12/24</a:t>
             </a:fld>
             <a:endParaRPr lang="es-CO"/>
           </a:p>
@@ -1830,7 +1831,7 @@
           <a:p>
             <a:fld id="{946EE4F6-31C8-EE47-AB2E-B5A95A2ECAB6}" type="datetimeFigureOut">
               <a:rPr lang="es-CO" smtClean="0"/>
-              <a:t>1/10/23</a:t>
+              <a:t>13/12/24</a:t>
             </a:fld>
             <a:endParaRPr lang="es-CO"/>
           </a:p>
@@ -1972,7 +1973,7 @@
           <a:p>
             <a:fld id="{946EE4F6-31C8-EE47-AB2E-B5A95A2ECAB6}" type="datetimeFigureOut">
               <a:rPr lang="es-CO" smtClean="0"/>
-              <a:t>1/10/23</a:t>
+              <a:t>13/12/24</a:t>
             </a:fld>
             <a:endParaRPr lang="es-CO"/>
           </a:p>
@@ -2085,7 +2086,7 @@
           <a:p>
             <a:fld id="{946EE4F6-31C8-EE47-AB2E-B5A95A2ECAB6}" type="datetimeFigureOut">
               <a:rPr lang="es-CO" smtClean="0"/>
-              <a:t>1/10/23</a:t>
+              <a:t>13/12/24</a:t>
             </a:fld>
             <a:endParaRPr lang="es-CO"/>
           </a:p>
@@ -2398,7 +2399,7 @@
           <a:p>
             <a:fld id="{946EE4F6-31C8-EE47-AB2E-B5A95A2ECAB6}" type="datetimeFigureOut">
               <a:rPr lang="es-CO" smtClean="0"/>
-              <a:t>1/10/23</a:t>
+              <a:t>13/12/24</a:t>
             </a:fld>
             <a:endParaRPr lang="es-CO"/>
           </a:p>
@@ -2687,7 +2688,7 @@
           <a:p>
             <a:fld id="{946EE4F6-31C8-EE47-AB2E-B5A95A2ECAB6}" type="datetimeFigureOut">
               <a:rPr lang="es-CO" smtClean="0"/>
-              <a:t>1/10/23</a:t>
+              <a:t>13/12/24</a:t>
             </a:fld>
             <a:endParaRPr lang="es-CO"/>
           </a:p>
@@ -2930,7 +2931,7 @@
           <a:p>
             <a:fld id="{946EE4F6-31C8-EE47-AB2E-B5A95A2ECAB6}" type="datetimeFigureOut">
               <a:rPr lang="es-CO" smtClean="0"/>
-              <a:t>1/10/23</a:t>
+              <a:t>13/12/24</a:t>
             </a:fld>
             <a:endParaRPr lang="es-CO"/>
           </a:p>
@@ -4459,6 +4460,1500 @@
 </p:sld>
 </file>
 
+<file path=ppt/slides/slide2.xml><?xml version="1.0" encoding="utf-8"?>
+<p:sld xmlns:a="http://schemas.openxmlformats.org/drawingml/2006/main" xmlns:r="http://schemas.openxmlformats.org/officeDocument/2006/relationships" xmlns:p="http://schemas.openxmlformats.org/presentationml/2006/main">
+  <p:cSld>
+    <p:bg>
+      <p:bgPr>
+        <a:solidFill>
+          <a:schemeClr val="tx1"/>
+        </a:solidFill>
+        <a:effectLst/>
+      </p:bgPr>
+    </p:bg>
+    <p:spTree>
+      <p:nvGrpSpPr>
+        <p:cNvPr id="1" name=""/>
+        <p:cNvGrpSpPr/>
+        <p:nvPr/>
+      </p:nvGrpSpPr>
+      <p:grpSpPr>
+        <a:xfrm>
+          <a:off x="0" y="0"/>
+          <a:ext cx="0" cy="0"/>
+          <a:chOff x="0" y="0"/>
+          <a:chExt cx="0" cy="0"/>
+        </a:xfrm>
+      </p:grpSpPr>
+      <p:sp>
+        <p:nvSpPr>
+          <p:cNvPr id="2" name="CuadroTexto 1">
+            <a:extLst>
+              <a:ext uri="{FF2B5EF4-FFF2-40B4-BE49-F238E27FC236}">
+                <a16:creationId xmlns:a16="http://schemas.microsoft.com/office/drawing/2014/main" id="{E8F2A4C9-9A00-2EC0-DBCD-003F2C7B4991}"/>
+              </a:ext>
+            </a:extLst>
+          </p:cNvPr>
+          <p:cNvSpPr txBox="1"/>
+          <p:nvPr/>
+        </p:nvSpPr>
+        <p:spPr>
+          <a:xfrm>
+            <a:off x="3108624" y="2644170"/>
+            <a:ext cx="7366889" cy="1569660"/>
+          </a:xfrm>
+          <a:prstGeom prst="rect">
+            <a:avLst/>
+          </a:prstGeom>
+          <a:noFill/>
+        </p:spPr>
+        <p:txBody>
+          <a:bodyPr wrap="none" rtlCol="0">
+            <a:spAutoFit/>
+          </a:bodyPr>
+          <a:lstStyle/>
+          <a:p>
+            <a:r>
+              <a:rPr lang="es-CO" sz="9600" dirty="0">
+                <a:solidFill>
+                  <a:schemeClr val="bg1"/>
+                </a:solidFill>
+                <a:latin typeface="American Typewriter" panose="02090604020004020304" pitchFamily="18" charset="77"/>
+              </a:rPr>
+              <a:t>TechMiner2</a:t>
+            </a:r>
+          </a:p>
+        </p:txBody>
+      </p:sp>
+      <p:grpSp>
+        <p:nvGrpSpPr>
+          <p:cNvPr id="3" name="Grupo 2">
+            <a:extLst>
+              <a:ext uri="{FF2B5EF4-FFF2-40B4-BE49-F238E27FC236}">
+                <a16:creationId xmlns:a16="http://schemas.microsoft.com/office/drawing/2014/main" id="{7B01A279-06E5-44C4-DEA0-7D131A6EC7F5}"/>
+              </a:ext>
+            </a:extLst>
+          </p:cNvPr>
+          <p:cNvGrpSpPr/>
+          <p:nvPr/>
+        </p:nvGrpSpPr>
+        <p:grpSpPr>
+          <a:xfrm>
+            <a:off x="1937341" y="2644170"/>
+            <a:ext cx="718364" cy="916188"/>
+            <a:chOff x="1879599" y="2023417"/>
+            <a:chExt cx="1681020" cy="2249480"/>
+          </a:xfrm>
+        </p:grpSpPr>
+        <p:sp>
+          <p:nvSpPr>
+            <p:cNvPr id="4" name="Rectángulo 11">
+              <a:extLst>
+                <a:ext uri="{FF2B5EF4-FFF2-40B4-BE49-F238E27FC236}">
+                  <a16:creationId xmlns:a16="http://schemas.microsoft.com/office/drawing/2014/main" id="{047A6047-10D5-4EA5-640A-F18B8C55A707}"/>
+                </a:ext>
+              </a:extLst>
+            </p:cNvPr>
+            <p:cNvSpPr/>
+            <p:nvPr/>
+          </p:nvSpPr>
+          <p:spPr>
+            <a:xfrm>
+              <a:off x="1879599" y="2023417"/>
+              <a:ext cx="1681020" cy="2249480"/>
+            </a:xfrm>
+            <a:custGeom>
+              <a:avLst/>
+              <a:gdLst>
+                <a:gd name="connsiteX0" fmla="*/ 0 w 1435694"/>
+                <a:gd name="connsiteY0" fmla="*/ 0 h 1939895"/>
+                <a:gd name="connsiteX1" fmla="*/ 1435694 w 1435694"/>
+                <a:gd name="connsiteY1" fmla="*/ 0 h 1939895"/>
+                <a:gd name="connsiteX2" fmla="*/ 1435694 w 1435694"/>
+                <a:gd name="connsiteY2" fmla="*/ 1939895 h 1939895"/>
+                <a:gd name="connsiteX3" fmla="*/ 0 w 1435694"/>
+                <a:gd name="connsiteY3" fmla="*/ 1939895 h 1939895"/>
+                <a:gd name="connsiteX4" fmla="*/ 0 w 1435694"/>
+                <a:gd name="connsiteY4" fmla="*/ 0 h 1939895"/>
+                <a:gd name="connsiteX0" fmla="*/ 0 w 1435694"/>
+                <a:gd name="connsiteY0" fmla="*/ 8546 h 1948441"/>
+                <a:gd name="connsiteX1" fmla="*/ 1093862 w 1435694"/>
+                <a:gd name="connsiteY1" fmla="*/ 0 h 1948441"/>
+                <a:gd name="connsiteX2" fmla="*/ 1435694 w 1435694"/>
+                <a:gd name="connsiteY2" fmla="*/ 1948441 h 1948441"/>
+                <a:gd name="connsiteX3" fmla="*/ 0 w 1435694"/>
+                <a:gd name="connsiteY3" fmla="*/ 1948441 h 1948441"/>
+                <a:gd name="connsiteX4" fmla="*/ 0 w 1435694"/>
+                <a:gd name="connsiteY4" fmla="*/ 8546 h 1948441"/>
+                <a:gd name="connsiteX0" fmla="*/ 0 w 1435694"/>
+                <a:gd name="connsiteY0" fmla="*/ 8546 h 1948441"/>
+                <a:gd name="connsiteX1" fmla="*/ 1093862 w 1435694"/>
+                <a:gd name="connsiteY1" fmla="*/ 0 h 1948441"/>
+                <a:gd name="connsiteX2" fmla="*/ 1256232 w 1435694"/>
+                <a:gd name="connsiteY2" fmla="*/ 914400 h 1948441"/>
+                <a:gd name="connsiteX3" fmla="*/ 1435694 w 1435694"/>
+                <a:gd name="connsiteY3" fmla="*/ 1948441 h 1948441"/>
+                <a:gd name="connsiteX4" fmla="*/ 0 w 1435694"/>
+                <a:gd name="connsiteY4" fmla="*/ 1948441 h 1948441"/>
+                <a:gd name="connsiteX5" fmla="*/ 0 w 1435694"/>
+                <a:gd name="connsiteY5" fmla="*/ 8546 h 1948441"/>
+                <a:gd name="connsiteX0" fmla="*/ 0 w 1435694"/>
+                <a:gd name="connsiteY0" fmla="*/ 8546 h 1948441"/>
+                <a:gd name="connsiteX1" fmla="*/ 1093862 w 1435694"/>
+                <a:gd name="connsiteY1" fmla="*/ 0 h 1948441"/>
+                <a:gd name="connsiteX2" fmla="*/ 1204957 w 1435694"/>
+                <a:gd name="connsiteY2" fmla="*/ 598206 h 1948441"/>
+                <a:gd name="connsiteX3" fmla="*/ 1435694 w 1435694"/>
+                <a:gd name="connsiteY3" fmla="*/ 1948441 h 1948441"/>
+                <a:gd name="connsiteX4" fmla="*/ 0 w 1435694"/>
+                <a:gd name="connsiteY4" fmla="*/ 1948441 h 1948441"/>
+                <a:gd name="connsiteX5" fmla="*/ 0 w 1435694"/>
+                <a:gd name="connsiteY5" fmla="*/ 8546 h 1948441"/>
+                <a:gd name="connsiteX0" fmla="*/ 0 w 1435694"/>
+                <a:gd name="connsiteY0" fmla="*/ 8546 h 1948441"/>
+                <a:gd name="connsiteX1" fmla="*/ 1093862 w 1435694"/>
+                <a:gd name="connsiteY1" fmla="*/ 0 h 1948441"/>
+                <a:gd name="connsiteX2" fmla="*/ 1401510 w 1435694"/>
+                <a:gd name="connsiteY2" fmla="*/ 538385 h 1948441"/>
+                <a:gd name="connsiteX3" fmla="*/ 1435694 w 1435694"/>
+                <a:gd name="connsiteY3" fmla="*/ 1948441 h 1948441"/>
+                <a:gd name="connsiteX4" fmla="*/ 0 w 1435694"/>
+                <a:gd name="connsiteY4" fmla="*/ 1948441 h 1948441"/>
+                <a:gd name="connsiteX5" fmla="*/ 0 w 1435694"/>
+                <a:gd name="connsiteY5" fmla="*/ 8546 h 1948441"/>
+                <a:gd name="connsiteX0" fmla="*/ 0 w 1435694"/>
+                <a:gd name="connsiteY0" fmla="*/ 8546 h 1948441"/>
+                <a:gd name="connsiteX1" fmla="*/ 1093862 w 1435694"/>
+                <a:gd name="connsiteY1" fmla="*/ 0 h 1948441"/>
+                <a:gd name="connsiteX2" fmla="*/ 1367327 w 1435694"/>
+                <a:gd name="connsiteY2" fmla="*/ 324740 h 1948441"/>
+                <a:gd name="connsiteX3" fmla="*/ 1435694 w 1435694"/>
+                <a:gd name="connsiteY3" fmla="*/ 1948441 h 1948441"/>
+                <a:gd name="connsiteX4" fmla="*/ 0 w 1435694"/>
+                <a:gd name="connsiteY4" fmla="*/ 1948441 h 1948441"/>
+                <a:gd name="connsiteX5" fmla="*/ 0 w 1435694"/>
+                <a:gd name="connsiteY5" fmla="*/ 8546 h 1948441"/>
+                <a:gd name="connsiteX0" fmla="*/ 0 w 1435694"/>
+                <a:gd name="connsiteY0" fmla="*/ 8546 h 1948441"/>
+                <a:gd name="connsiteX1" fmla="*/ 1093862 w 1435694"/>
+                <a:gd name="connsiteY1" fmla="*/ 0 h 1948441"/>
+                <a:gd name="connsiteX2" fmla="*/ 1418601 w 1435694"/>
+                <a:gd name="connsiteY2" fmla="*/ 324740 h 1948441"/>
+                <a:gd name="connsiteX3" fmla="*/ 1435694 w 1435694"/>
+                <a:gd name="connsiteY3" fmla="*/ 1948441 h 1948441"/>
+                <a:gd name="connsiteX4" fmla="*/ 0 w 1435694"/>
+                <a:gd name="connsiteY4" fmla="*/ 1948441 h 1948441"/>
+                <a:gd name="connsiteX5" fmla="*/ 0 w 1435694"/>
+                <a:gd name="connsiteY5" fmla="*/ 8546 h 1948441"/>
+                <a:gd name="connsiteX0" fmla="*/ 0 w 1435694"/>
+                <a:gd name="connsiteY0" fmla="*/ 8546 h 1948441"/>
+                <a:gd name="connsiteX1" fmla="*/ 940038 w 1435694"/>
+                <a:gd name="connsiteY1" fmla="*/ 0 h 1948441"/>
+                <a:gd name="connsiteX2" fmla="*/ 1418601 w 1435694"/>
+                <a:gd name="connsiteY2" fmla="*/ 324740 h 1948441"/>
+                <a:gd name="connsiteX3" fmla="*/ 1435694 w 1435694"/>
+                <a:gd name="connsiteY3" fmla="*/ 1948441 h 1948441"/>
+                <a:gd name="connsiteX4" fmla="*/ 0 w 1435694"/>
+                <a:gd name="connsiteY4" fmla="*/ 1948441 h 1948441"/>
+                <a:gd name="connsiteX5" fmla="*/ 0 w 1435694"/>
+                <a:gd name="connsiteY5" fmla="*/ 8546 h 1948441"/>
+                <a:gd name="connsiteX0" fmla="*/ 0 w 1435694"/>
+                <a:gd name="connsiteY0" fmla="*/ 8546 h 1948441"/>
+                <a:gd name="connsiteX1" fmla="*/ 940038 w 1435694"/>
+                <a:gd name="connsiteY1" fmla="*/ 0 h 1948441"/>
+                <a:gd name="connsiteX2" fmla="*/ 1418601 w 1435694"/>
+                <a:gd name="connsiteY2" fmla="*/ 487110 h 1948441"/>
+                <a:gd name="connsiteX3" fmla="*/ 1435694 w 1435694"/>
+                <a:gd name="connsiteY3" fmla="*/ 1948441 h 1948441"/>
+                <a:gd name="connsiteX4" fmla="*/ 0 w 1435694"/>
+                <a:gd name="connsiteY4" fmla="*/ 1948441 h 1948441"/>
+                <a:gd name="connsiteX5" fmla="*/ 0 w 1435694"/>
+                <a:gd name="connsiteY5" fmla="*/ 8546 h 1948441"/>
+                <a:gd name="connsiteX0" fmla="*/ 0 w 1443627"/>
+                <a:gd name="connsiteY0" fmla="*/ 4555 h 1948441"/>
+                <a:gd name="connsiteX1" fmla="*/ 947971 w 1443627"/>
+                <a:gd name="connsiteY1" fmla="*/ 0 h 1948441"/>
+                <a:gd name="connsiteX2" fmla="*/ 1426534 w 1443627"/>
+                <a:gd name="connsiteY2" fmla="*/ 487110 h 1948441"/>
+                <a:gd name="connsiteX3" fmla="*/ 1443627 w 1443627"/>
+                <a:gd name="connsiteY3" fmla="*/ 1948441 h 1948441"/>
+                <a:gd name="connsiteX4" fmla="*/ 7933 w 1443627"/>
+                <a:gd name="connsiteY4" fmla="*/ 1948441 h 1948441"/>
+                <a:gd name="connsiteX5" fmla="*/ 0 w 1443627"/>
+                <a:gd name="connsiteY5" fmla="*/ 4555 h 1948441"/>
+                <a:gd name="connsiteX0" fmla="*/ 0 w 1443627"/>
+                <a:gd name="connsiteY0" fmla="*/ 0 h 1943886"/>
+                <a:gd name="connsiteX1" fmla="*/ 943726 w 1443627"/>
+                <a:gd name="connsiteY1" fmla="*/ 3987 h 1943886"/>
+                <a:gd name="connsiteX2" fmla="*/ 1426534 w 1443627"/>
+                <a:gd name="connsiteY2" fmla="*/ 482555 h 1943886"/>
+                <a:gd name="connsiteX3" fmla="*/ 1443627 w 1443627"/>
+                <a:gd name="connsiteY3" fmla="*/ 1943886 h 1943886"/>
+                <a:gd name="connsiteX4" fmla="*/ 7933 w 1443627"/>
+                <a:gd name="connsiteY4" fmla="*/ 1943886 h 1943886"/>
+                <a:gd name="connsiteX5" fmla="*/ 0 w 1443627"/>
+                <a:gd name="connsiteY5" fmla="*/ 0 h 1943886"/>
+                <a:gd name="connsiteX0" fmla="*/ 0 w 1443627"/>
+                <a:gd name="connsiteY0" fmla="*/ 0 h 1943886"/>
+                <a:gd name="connsiteX1" fmla="*/ 943726 w 1443627"/>
+                <a:gd name="connsiteY1" fmla="*/ 3987 h 1943886"/>
+                <a:gd name="connsiteX2" fmla="*/ 1435024 w 1443627"/>
+                <a:gd name="connsiteY2" fmla="*/ 482555 h 1943886"/>
+                <a:gd name="connsiteX3" fmla="*/ 1443627 w 1443627"/>
+                <a:gd name="connsiteY3" fmla="*/ 1943886 h 1943886"/>
+                <a:gd name="connsiteX4" fmla="*/ 7933 w 1443627"/>
+                <a:gd name="connsiteY4" fmla="*/ 1943886 h 1943886"/>
+                <a:gd name="connsiteX5" fmla="*/ 0 w 1443627"/>
+                <a:gd name="connsiteY5" fmla="*/ 0 h 1943886"/>
+              </a:gdLst>
+              <a:ahLst/>
+              <a:cxnLst>
+                <a:cxn ang="0">
+                  <a:pos x="connsiteX0" y="connsiteY0"/>
+                </a:cxn>
+                <a:cxn ang="0">
+                  <a:pos x="connsiteX1" y="connsiteY1"/>
+                </a:cxn>
+                <a:cxn ang="0">
+                  <a:pos x="connsiteX2" y="connsiteY2"/>
+                </a:cxn>
+                <a:cxn ang="0">
+                  <a:pos x="connsiteX3" y="connsiteY3"/>
+                </a:cxn>
+                <a:cxn ang="0">
+                  <a:pos x="connsiteX4" y="connsiteY4"/>
+                </a:cxn>
+                <a:cxn ang="0">
+                  <a:pos x="connsiteX5" y="connsiteY5"/>
+                </a:cxn>
+              </a:cxnLst>
+              <a:rect l="l" t="t" r="r" b="b"/>
+              <a:pathLst>
+                <a:path w="1443627" h="1943886">
+                  <a:moveTo>
+                    <a:pt x="0" y="0"/>
+                  </a:moveTo>
+                  <a:lnTo>
+                    <a:pt x="943726" y="3987"/>
+                  </a:lnTo>
+                  <a:lnTo>
+                    <a:pt x="1435024" y="482555"/>
+                  </a:lnTo>
+                  <a:cubicBezTo>
+                    <a:pt x="1437892" y="969665"/>
+                    <a:pt x="1440759" y="1456776"/>
+                    <a:pt x="1443627" y="1943886"/>
+                  </a:cubicBezTo>
+                  <a:lnTo>
+                    <a:pt x="7933" y="1943886"/>
+                  </a:lnTo>
+                  <a:cubicBezTo>
+                    <a:pt x="5289" y="1295924"/>
+                    <a:pt x="2644" y="647962"/>
+                    <a:pt x="0" y="0"/>
+                  </a:cubicBezTo>
+                  <a:close/>
+                </a:path>
+              </a:pathLst>
+            </a:custGeom>
+            <a:solidFill>
+              <a:schemeClr val="bg1"/>
+            </a:solidFill>
+            <a:ln w="31750">
+              <a:solidFill>
+                <a:schemeClr val="tx1"/>
+              </a:solidFill>
+            </a:ln>
+          </p:spPr>
+          <p:style>
+            <a:lnRef idx="2">
+              <a:schemeClr val="accent1">
+                <a:shade val="15000"/>
+              </a:schemeClr>
+            </a:lnRef>
+            <a:fillRef idx="1">
+              <a:schemeClr val="accent1"/>
+            </a:fillRef>
+            <a:effectRef idx="0">
+              <a:schemeClr val="accent1"/>
+            </a:effectRef>
+            <a:fontRef idx="minor">
+              <a:schemeClr val="lt1"/>
+            </a:fontRef>
+          </p:style>
+          <p:txBody>
+            <a:bodyPr rtlCol="0" anchor="ctr"/>
+            <a:lstStyle/>
+            <a:p>
+              <a:pPr algn="ctr"/>
+              <a:endParaRPr lang="es-CO" dirty="0"/>
+            </a:p>
+          </p:txBody>
+        </p:sp>
+        <p:cxnSp>
+          <p:nvCxnSpPr>
+            <p:cNvPr id="5" name="Conector recto 4">
+              <a:extLst>
+                <a:ext uri="{FF2B5EF4-FFF2-40B4-BE49-F238E27FC236}">
+                  <a16:creationId xmlns:a16="http://schemas.microsoft.com/office/drawing/2014/main" id="{0596DF6A-EF44-73CE-5185-1BFB3BE96120}"/>
+                </a:ext>
+              </a:extLst>
+            </p:cNvPr>
+            <p:cNvCxnSpPr>
+              <a:cxnSpLocks/>
+              <a:stCxn id="4" idx="1"/>
+            </p:cNvCxnSpPr>
+            <p:nvPr/>
+          </p:nvCxnSpPr>
+          <p:spPr>
+            <a:xfrm>
+              <a:off x="2978513" y="2028031"/>
+              <a:ext cx="4943" cy="553801"/>
+            </a:xfrm>
+            <a:prstGeom prst="line">
+              <a:avLst/>
+            </a:prstGeom>
+            <a:ln w="28575">
+              <a:solidFill>
+                <a:schemeClr val="tx1"/>
+              </a:solidFill>
+            </a:ln>
+          </p:spPr>
+          <p:style>
+            <a:lnRef idx="1">
+              <a:schemeClr val="accent1"/>
+            </a:lnRef>
+            <a:fillRef idx="0">
+              <a:schemeClr val="accent1"/>
+            </a:fillRef>
+            <a:effectRef idx="0">
+              <a:schemeClr val="accent1"/>
+            </a:effectRef>
+            <a:fontRef idx="minor">
+              <a:schemeClr val="tx1"/>
+            </a:fontRef>
+          </p:style>
+        </p:cxnSp>
+        <p:cxnSp>
+          <p:nvCxnSpPr>
+            <p:cNvPr id="6" name="Conector recto 5">
+              <a:extLst>
+                <a:ext uri="{FF2B5EF4-FFF2-40B4-BE49-F238E27FC236}">
+                  <a16:creationId xmlns:a16="http://schemas.microsoft.com/office/drawing/2014/main" id="{E0977217-7D54-D090-ED53-69CE26AE9D0D}"/>
+                </a:ext>
+              </a:extLst>
+            </p:cNvPr>
+            <p:cNvCxnSpPr>
+              <a:cxnSpLocks/>
+              <a:endCxn id="4" idx="2"/>
+            </p:cNvCxnSpPr>
+            <p:nvPr/>
+          </p:nvCxnSpPr>
+          <p:spPr>
+            <a:xfrm>
+              <a:off x="2983456" y="2581832"/>
+              <a:ext cx="567145" cy="1"/>
+            </a:xfrm>
+            <a:prstGeom prst="line">
+              <a:avLst/>
+            </a:prstGeom>
+            <a:ln w="25400">
+              <a:solidFill>
+                <a:schemeClr val="tx1"/>
+              </a:solidFill>
+            </a:ln>
+          </p:spPr>
+          <p:style>
+            <a:lnRef idx="1">
+              <a:schemeClr val="accent1"/>
+            </a:lnRef>
+            <a:fillRef idx="0">
+              <a:schemeClr val="accent1"/>
+            </a:fillRef>
+            <a:effectRef idx="0">
+              <a:schemeClr val="accent1"/>
+            </a:effectRef>
+            <a:fontRef idx="minor">
+              <a:schemeClr val="tx1"/>
+            </a:fontRef>
+          </p:style>
+        </p:cxnSp>
+      </p:grpSp>
+      <p:grpSp>
+        <p:nvGrpSpPr>
+          <p:cNvPr id="15" name="Grupo 14">
+            <a:extLst>
+              <a:ext uri="{FF2B5EF4-FFF2-40B4-BE49-F238E27FC236}">
+                <a16:creationId xmlns:a16="http://schemas.microsoft.com/office/drawing/2014/main" id="{3E320F39-51B2-E4DC-9557-7E33970F0CA0}"/>
+              </a:ext>
+            </a:extLst>
+          </p:cNvPr>
+          <p:cNvGrpSpPr/>
+          <p:nvPr/>
+        </p:nvGrpSpPr>
+        <p:grpSpPr>
+          <a:xfrm>
+            <a:off x="2089741" y="2796570"/>
+            <a:ext cx="718364" cy="916188"/>
+            <a:chOff x="1879599" y="2023417"/>
+            <a:chExt cx="1681020" cy="2249480"/>
+          </a:xfrm>
+        </p:grpSpPr>
+        <p:sp>
+          <p:nvSpPr>
+            <p:cNvPr id="16" name="Rectángulo 11">
+              <a:extLst>
+                <a:ext uri="{FF2B5EF4-FFF2-40B4-BE49-F238E27FC236}">
+                  <a16:creationId xmlns:a16="http://schemas.microsoft.com/office/drawing/2014/main" id="{C83C36D5-EB3C-ECFC-40FC-ECE40A70BA70}"/>
+                </a:ext>
+              </a:extLst>
+            </p:cNvPr>
+            <p:cNvSpPr/>
+            <p:nvPr/>
+          </p:nvSpPr>
+          <p:spPr>
+            <a:xfrm>
+              <a:off x="1879599" y="2023417"/>
+              <a:ext cx="1681020" cy="2249480"/>
+            </a:xfrm>
+            <a:custGeom>
+              <a:avLst/>
+              <a:gdLst>
+                <a:gd name="connsiteX0" fmla="*/ 0 w 1435694"/>
+                <a:gd name="connsiteY0" fmla="*/ 0 h 1939895"/>
+                <a:gd name="connsiteX1" fmla="*/ 1435694 w 1435694"/>
+                <a:gd name="connsiteY1" fmla="*/ 0 h 1939895"/>
+                <a:gd name="connsiteX2" fmla="*/ 1435694 w 1435694"/>
+                <a:gd name="connsiteY2" fmla="*/ 1939895 h 1939895"/>
+                <a:gd name="connsiteX3" fmla="*/ 0 w 1435694"/>
+                <a:gd name="connsiteY3" fmla="*/ 1939895 h 1939895"/>
+                <a:gd name="connsiteX4" fmla="*/ 0 w 1435694"/>
+                <a:gd name="connsiteY4" fmla="*/ 0 h 1939895"/>
+                <a:gd name="connsiteX0" fmla="*/ 0 w 1435694"/>
+                <a:gd name="connsiteY0" fmla="*/ 8546 h 1948441"/>
+                <a:gd name="connsiteX1" fmla="*/ 1093862 w 1435694"/>
+                <a:gd name="connsiteY1" fmla="*/ 0 h 1948441"/>
+                <a:gd name="connsiteX2" fmla="*/ 1435694 w 1435694"/>
+                <a:gd name="connsiteY2" fmla="*/ 1948441 h 1948441"/>
+                <a:gd name="connsiteX3" fmla="*/ 0 w 1435694"/>
+                <a:gd name="connsiteY3" fmla="*/ 1948441 h 1948441"/>
+                <a:gd name="connsiteX4" fmla="*/ 0 w 1435694"/>
+                <a:gd name="connsiteY4" fmla="*/ 8546 h 1948441"/>
+                <a:gd name="connsiteX0" fmla="*/ 0 w 1435694"/>
+                <a:gd name="connsiteY0" fmla="*/ 8546 h 1948441"/>
+                <a:gd name="connsiteX1" fmla="*/ 1093862 w 1435694"/>
+                <a:gd name="connsiteY1" fmla="*/ 0 h 1948441"/>
+                <a:gd name="connsiteX2" fmla="*/ 1256232 w 1435694"/>
+                <a:gd name="connsiteY2" fmla="*/ 914400 h 1948441"/>
+                <a:gd name="connsiteX3" fmla="*/ 1435694 w 1435694"/>
+                <a:gd name="connsiteY3" fmla="*/ 1948441 h 1948441"/>
+                <a:gd name="connsiteX4" fmla="*/ 0 w 1435694"/>
+                <a:gd name="connsiteY4" fmla="*/ 1948441 h 1948441"/>
+                <a:gd name="connsiteX5" fmla="*/ 0 w 1435694"/>
+                <a:gd name="connsiteY5" fmla="*/ 8546 h 1948441"/>
+                <a:gd name="connsiteX0" fmla="*/ 0 w 1435694"/>
+                <a:gd name="connsiteY0" fmla="*/ 8546 h 1948441"/>
+                <a:gd name="connsiteX1" fmla="*/ 1093862 w 1435694"/>
+                <a:gd name="connsiteY1" fmla="*/ 0 h 1948441"/>
+                <a:gd name="connsiteX2" fmla="*/ 1204957 w 1435694"/>
+                <a:gd name="connsiteY2" fmla="*/ 598206 h 1948441"/>
+                <a:gd name="connsiteX3" fmla="*/ 1435694 w 1435694"/>
+                <a:gd name="connsiteY3" fmla="*/ 1948441 h 1948441"/>
+                <a:gd name="connsiteX4" fmla="*/ 0 w 1435694"/>
+                <a:gd name="connsiteY4" fmla="*/ 1948441 h 1948441"/>
+                <a:gd name="connsiteX5" fmla="*/ 0 w 1435694"/>
+                <a:gd name="connsiteY5" fmla="*/ 8546 h 1948441"/>
+                <a:gd name="connsiteX0" fmla="*/ 0 w 1435694"/>
+                <a:gd name="connsiteY0" fmla="*/ 8546 h 1948441"/>
+                <a:gd name="connsiteX1" fmla="*/ 1093862 w 1435694"/>
+                <a:gd name="connsiteY1" fmla="*/ 0 h 1948441"/>
+                <a:gd name="connsiteX2" fmla="*/ 1401510 w 1435694"/>
+                <a:gd name="connsiteY2" fmla="*/ 538385 h 1948441"/>
+                <a:gd name="connsiteX3" fmla="*/ 1435694 w 1435694"/>
+                <a:gd name="connsiteY3" fmla="*/ 1948441 h 1948441"/>
+                <a:gd name="connsiteX4" fmla="*/ 0 w 1435694"/>
+                <a:gd name="connsiteY4" fmla="*/ 1948441 h 1948441"/>
+                <a:gd name="connsiteX5" fmla="*/ 0 w 1435694"/>
+                <a:gd name="connsiteY5" fmla="*/ 8546 h 1948441"/>
+                <a:gd name="connsiteX0" fmla="*/ 0 w 1435694"/>
+                <a:gd name="connsiteY0" fmla="*/ 8546 h 1948441"/>
+                <a:gd name="connsiteX1" fmla="*/ 1093862 w 1435694"/>
+                <a:gd name="connsiteY1" fmla="*/ 0 h 1948441"/>
+                <a:gd name="connsiteX2" fmla="*/ 1367327 w 1435694"/>
+                <a:gd name="connsiteY2" fmla="*/ 324740 h 1948441"/>
+                <a:gd name="connsiteX3" fmla="*/ 1435694 w 1435694"/>
+                <a:gd name="connsiteY3" fmla="*/ 1948441 h 1948441"/>
+                <a:gd name="connsiteX4" fmla="*/ 0 w 1435694"/>
+                <a:gd name="connsiteY4" fmla="*/ 1948441 h 1948441"/>
+                <a:gd name="connsiteX5" fmla="*/ 0 w 1435694"/>
+                <a:gd name="connsiteY5" fmla="*/ 8546 h 1948441"/>
+                <a:gd name="connsiteX0" fmla="*/ 0 w 1435694"/>
+                <a:gd name="connsiteY0" fmla="*/ 8546 h 1948441"/>
+                <a:gd name="connsiteX1" fmla="*/ 1093862 w 1435694"/>
+                <a:gd name="connsiteY1" fmla="*/ 0 h 1948441"/>
+                <a:gd name="connsiteX2" fmla="*/ 1418601 w 1435694"/>
+                <a:gd name="connsiteY2" fmla="*/ 324740 h 1948441"/>
+                <a:gd name="connsiteX3" fmla="*/ 1435694 w 1435694"/>
+                <a:gd name="connsiteY3" fmla="*/ 1948441 h 1948441"/>
+                <a:gd name="connsiteX4" fmla="*/ 0 w 1435694"/>
+                <a:gd name="connsiteY4" fmla="*/ 1948441 h 1948441"/>
+                <a:gd name="connsiteX5" fmla="*/ 0 w 1435694"/>
+                <a:gd name="connsiteY5" fmla="*/ 8546 h 1948441"/>
+                <a:gd name="connsiteX0" fmla="*/ 0 w 1435694"/>
+                <a:gd name="connsiteY0" fmla="*/ 8546 h 1948441"/>
+                <a:gd name="connsiteX1" fmla="*/ 940038 w 1435694"/>
+                <a:gd name="connsiteY1" fmla="*/ 0 h 1948441"/>
+                <a:gd name="connsiteX2" fmla="*/ 1418601 w 1435694"/>
+                <a:gd name="connsiteY2" fmla="*/ 324740 h 1948441"/>
+                <a:gd name="connsiteX3" fmla="*/ 1435694 w 1435694"/>
+                <a:gd name="connsiteY3" fmla="*/ 1948441 h 1948441"/>
+                <a:gd name="connsiteX4" fmla="*/ 0 w 1435694"/>
+                <a:gd name="connsiteY4" fmla="*/ 1948441 h 1948441"/>
+                <a:gd name="connsiteX5" fmla="*/ 0 w 1435694"/>
+                <a:gd name="connsiteY5" fmla="*/ 8546 h 1948441"/>
+                <a:gd name="connsiteX0" fmla="*/ 0 w 1435694"/>
+                <a:gd name="connsiteY0" fmla="*/ 8546 h 1948441"/>
+                <a:gd name="connsiteX1" fmla="*/ 940038 w 1435694"/>
+                <a:gd name="connsiteY1" fmla="*/ 0 h 1948441"/>
+                <a:gd name="connsiteX2" fmla="*/ 1418601 w 1435694"/>
+                <a:gd name="connsiteY2" fmla="*/ 487110 h 1948441"/>
+                <a:gd name="connsiteX3" fmla="*/ 1435694 w 1435694"/>
+                <a:gd name="connsiteY3" fmla="*/ 1948441 h 1948441"/>
+                <a:gd name="connsiteX4" fmla="*/ 0 w 1435694"/>
+                <a:gd name="connsiteY4" fmla="*/ 1948441 h 1948441"/>
+                <a:gd name="connsiteX5" fmla="*/ 0 w 1435694"/>
+                <a:gd name="connsiteY5" fmla="*/ 8546 h 1948441"/>
+                <a:gd name="connsiteX0" fmla="*/ 0 w 1443627"/>
+                <a:gd name="connsiteY0" fmla="*/ 4555 h 1948441"/>
+                <a:gd name="connsiteX1" fmla="*/ 947971 w 1443627"/>
+                <a:gd name="connsiteY1" fmla="*/ 0 h 1948441"/>
+                <a:gd name="connsiteX2" fmla="*/ 1426534 w 1443627"/>
+                <a:gd name="connsiteY2" fmla="*/ 487110 h 1948441"/>
+                <a:gd name="connsiteX3" fmla="*/ 1443627 w 1443627"/>
+                <a:gd name="connsiteY3" fmla="*/ 1948441 h 1948441"/>
+                <a:gd name="connsiteX4" fmla="*/ 7933 w 1443627"/>
+                <a:gd name="connsiteY4" fmla="*/ 1948441 h 1948441"/>
+                <a:gd name="connsiteX5" fmla="*/ 0 w 1443627"/>
+                <a:gd name="connsiteY5" fmla="*/ 4555 h 1948441"/>
+                <a:gd name="connsiteX0" fmla="*/ 0 w 1443627"/>
+                <a:gd name="connsiteY0" fmla="*/ 0 h 1943886"/>
+                <a:gd name="connsiteX1" fmla="*/ 943726 w 1443627"/>
+                <a:gd name="connsiteY1" fmla="*/ 3987 h 1943886"/>
+                <a:gd name="connsiteX2" fmla="*/ 1426534 w 1443627"/>
+                <a:gd name="connsiteY2" fmla="*/ 482555 h 1943886"/>
+                <a:gd name="connsiteX3" fmla="*/ 1443627 w 1443627"/>
+                <a:gd name="connsiteY3" fmla="*/ 1943886 h 1943886"/>
+                <a:gd name="connsiteX4" fmla="*/ 7933 w 1443627"/>
+                <a:gd name="connsiteY4" fmla="*/ 1943886 h 1943886"/>
+                <a:gd name="connsiteX5" fmla="*/ 0 w 1443627"/>
+                <a:gd name="connsiteY5" fmla="*/ 0 h 1943886"/>
+                <a:gd name="connsiteX0" fmla="*/ 0 w 1443627"/>
+                <a:gd name="connsiteY0" fmla="*/ 0 h 1943886"/>
+                <a:gd name="connsiteX1" fmla="*/ 943726 w 1443627"/>
+                <a:gd name="connsiteY1" fmla="*/ 3987 h 1943886"/>
+                <a:gd name="connsiteX2" fmla="*/ 1435024 w 1443627"/>
+                <a:gd name="connsiteY2" fmla="*/ 482555 h 1943886"/>
+                <a:gd name="connsiteX3" fmla="*/ 1443627 w 1443627"/>
+                <a:gd name="connsiteY3" fmla="*/ 1943886 h 1943886"/>
+                <a:gd name="connsiteX4" fmla="*/ 7933 w 1443627"/>
+                <a:gd name="connsiteY4" fmla="*/ 1943886 h 1943886"/>
+                <a:gd name="connsiteX5" fmla="*/ 0 w 1443627"/>
+                <a:gd name="connsiteY5" fmla="*/ 0 h 1943886"/>
+              </a:gdLst>
+              <a:ahLst/>
+              <a:cxnLst>
+                <a:cxn ang="0">
+                  <a:pos x="connsiteX0" y="connsiteY0"/>
+                </a:cxn>
+                <a:cxn ang="0">
+                  <a:pos x="connsiteX1" y="connsiteY1"/>
+                </a:cxn>
+                <a:cxn ang="0">
+                  <a:pos x="connsiteX2" y="connsiteY2"/>
+                </a:cxn>
+                <a:cxn ang="0">
+                  <a:pos x="connsiteX3" y="connsiteY3"/>
+                </a:cxn>
+                <a:cxn ang="0">
+                  <a:pos x="connsiteX4" y="connsiteY4"/>
+                </a:cxn>
+                <a:cxn ang="0">
+                  <a:pos x="connsiteX5" y="connsiteY5"/>
+                </a:cxn>
+              </a:cxnLst>
+              <a:rect l="l" t="t" r="r" b="b"/>
+              <a:pathLst>
+                <a:path w="1443627" h="1943886">
+                  <a:moveTo>
+                    <a:pt x="0" y="0"/>
+                  </a:moveTo>
+                  <a:lnTo>
+                    <a:pt x="943726" y="3987"/>
+                  </a:lnTo>
+                  <a:lnTo>
+                    <a:pt x="1435024" y="482555"/>
+                  </a:lnTo>
+                  <a:cubicBezTo>
+                    <a:pt x="1437892" y="969665"/>
+                    <a:pt x="1440759" y="1456776"/>
+                    <a:pt x="1443627" y="1943886"/>
+                  </a:cubicBezTo>
+                  <a:lnTo>
+                    <a:pt x="7933" y="1943886"/>
+                  </a:lnTo>
+                  <a:cubicBezTo>
+                    <a:pt x="5289" y="1295924"/>
+                    <a:pt x="2644" y="647962"/>
+                    <a:pt x="0" y="0"/>
+                  </a:cubicBezTo>
+                  <a:close/>
+                </a:path>
+              </a:pathLst>
+            </a:custGeom>
+            <a:solidFill>
+              <a:schemeClr val="bg1"/>
+            </a:solidFill>
+            <a:ln w="31750">
+              <a:solidFill>
+                <a:schemeClr val="tx1"/>
+              </a:solidFill>
+            </a:ln>
+          </p:spPr>
+          <p:style>
+            <a:lnRef idx="2">
+              <a:schemeClr val="accent1">
+                <a:shade val="15000"/>
+              </a:schemeClr>
+            </a:lnRef>
+            <a:fillRef idx="1">
+              <a:schemeClr val="accent1"/>
+            </a:fillRef>
+            <a:effectRef idx="0">
+              <a:schemeClr val="accent1"/>
+            </a:effectRef>
+            <a:fontRef idx="minor">
+              <a:schemeClr val="lt1"/>
+            </a:fontRef>
+          </p:style>
+          <p:txBody>
+            <a:bodyPr rtlCol="0" anchor="ctr"/>
+            <a:lstStyle/>
+            <a:p>
+              <a:pPr algn="ctr"/>
+              <a:endParaRPr lang="es-CO" dirty="0"/>
+            </a:p>
+          </p:txBody>
+        </p:sp>
+        <p:cxnSp>
+          <p:nvCxnSpPr>
+            <p:cNvPr id="17" name="Conector recto 16">
+              <a:extLst>
+                <a:ext uri="{FF2B5EF4-FFF2-40B4-BE49-F238E27FC236}">
+                  <a16:creationId xmlns:a16="http://schemas.microsoft.com/office/drawing/2014/main" id="{31E9E9C5-9D2B-C801-5FBD-D6339259E354}"/>
+                </a:ext>
+              </a:extLst>
+            </p:cNvPr>
+            <p:cNvCxnSpPr>
+              <a:cxnSpLocks/>
+              <a:stCxn id="16" idx="1"/>
+            </p:cNvCxnSpPr>
+            <p:nvPr/>
+          </p:nvCxnSpPr>
+          <p:spPr>
+            <a:xfrm>
+              <a:off x="2978513" y="2028031"/>
+              <a:ext cx="4943" cy="553801"/>
+            </a:xfrm>
+            <a:prstGeom prst="line">
+              <a:avLst/>
+            </a:prstGeom>
+            <a:ln w="28575">
+              <a:solidFill>
+                <a:schemeClr val="tx1"/>
+              </a:solidFill>
+            </a:ln>
+          </p:spPr>
+          <p:style>
+            <a:lnRef idx="1">
+              <a:schemeClr val="accent1"/>
+            </a:lnRef>
+            <a:fillRef idx="0">
+              <a:schemeClr val="accent1"/>
+            </a:fillRef>
+            <a:effectRef idx="0">
+              <a:schemeClr val="accent1"/>
+            </a:effectRef>
+            <a:fontRef idx="minor">
+              <a:schemeClr val="tx1"/>
+            </a:fontRef>
+          </p:style>
+        </p:cxnSp>
+        <p:cxnSp>
+          <p:nvCxnSpPr>
+            <p:cNvPr id="18" name="Conector recto 17">
+              <a:extLst>
+                <a:ext uri="{FF2B5EF4-FFF2-40B4-BE49-F238E27FC236}">
+                  <a16:creationId xmlns:a16="http://schemas.microsoft.com/office/drawing/2014/main" id="{36F6A905-2E36-4EF0-D951-B85710C1BB2B}"/>
+                </a:ext>
+              </a:extLst>
+            </p:cNvPr>
+            <p:cNvCxnSpPr>
+              <a:cxnSpLocks/>
+              <a:endCxn id="16" idx="2"/>
+            </p:cNvCxnSpPr>
+            <p:nvPr/>
+          </p:nvCxnSpPr>
+          <p:spPr>
+            <a:xfrm>
+              <a:off x="2983456" y="2581832"/>
+              <a:ext cx="567145" cy="1"/>
+            </a:xfrm>
+            <a:prstGeom prst="line">
+              <a:avLst/>
+            </a:prstGeom>
+            <a:ln w="25400">
+              <a:solidFill>
+                <a:schemeClr val="tx1"/>
+              </a:solidFill>
+            </a:ln>
+          </p:spPr>
+          <p:style>
+            <a:lnRef idx="1">
+              <a:schemeClr val="accent1"/>
+            </a:lnRef>
+            <a:fillRef idx="0">
+              <a:schemeClr val="accent1"/>
+            </a:fillRef>
+            <a:effectRef idx="0">
+              <a:schemeClr val="accent1"/>
+            </a:effectRef>
+            <a:fontRef idx="minor">
+              <a:schemeClr val="tx1"/>
+            </a:fontRef>
+          </p:style>
+        </p:cxnSp>
+      </p:grpSp>
+      <p:grpSp>
+        <p:nvGrpSpPr>
+          <p:cNvPr id="19" name="Grupo 18">
+            <a:extLst>
+              <a:ext uri="{FF2B5EF4-FFF2-40B4-BE49-F238E27FC236}">
+                <a16:creationId xmlns:a16="http://schemas.microsoft.com/office/drawing/2014/main" id="{6B1732AD-9F9C-BFA2-2092-1CE95D0E6081}"/>
+              </a:ext>
+            </a:extLst>
+          </p:cNvPr>
+          <p:cNvGrpSpPr/>
+          <p:nvPr/>
+        </p:nvGrpSpPr>
+        <p:grpSpPr>
+          <a:xfrm>
+            <a:off x="2242141" y="2948970"/>
+            <a:ext cx="718364" cy="916188"/>
+            <a:chOff x="1879599" y="2023417"/>
+            <a:chExt cx="1681020" cy="2249480"/>
+          </a:xfrm>
+        </p:grpSpPr>
+        <p:sp>
+          <p:nvSpPr>
+            <p:cNvPr id="20" name="Rectángulo 11">
+              <a:extLst>
+                <a:ext uri="{FF2B5EF4-FFF2-40B4-BE49-F238E27FC236}">
+                  <a16:creationId xmlns:a16="http://schemas.microsoft.com/office/drawing/2014/main" id="{F07A18CF-512A-2B6F-3DB3-1DDC5DF0EC5C}"/>
+                </a:ext>
+              </a:extLst>
+            </p:cNvPr>
+            <p:cNvSpPr/>
+            <p:nvPr/>
+          </p:nvSpPr>
+          <p:spPr>
+            <a:xfrm>
+              <a:off x="1879599" y="2023417"/>
+              <a:ext cx="1681020" cy="2249480"/>
+            </a:xfrm>
+            <a:custGeom>
+              <a:avLst/>
+              <a:gdLst>
+                <a:gd name="connsiteX0" fmla="*/ 0 w 1435694"/>
+                <a:gd name="connsiteY0" fmla="*/ 0 h 1939895"/>
+                <a:gd name="connsiteX1" fmla="*/ 1435694 w 1435694"/>
+                <a:gd name="connsiteY1" fmla="*/ 0 h 1939895"/>
+                <a:gd name="connsiteX2" fmla="*/ 1435694 w 1435694"/>
+                <a:gd name="connsiteY2" fmla="*/ 1939895 h 1939895"/>
+                <a:gd name="connsiteX3" fmla="*/ 0 w 1435694"/>
+                <a:gd name="connsiteY3" fmla="*/ 1939895 h 1939895"/>
+                <a:gd name="connsiteX4" fmla="*/ 0 w 1435694"/>
+                <a:gd name="connsiteY4" fmla="*/ 0 h 1939895"/>
+                <a:gd name="connsiteX0" fmla="*/ 0 w 1435694"/>
+                <a:gd name="connsiteY0" fmla="*/ 8546 h 1948441"/>
+                <a:gd name="connsiteX1" fmla="*/ 1093862 w 1435694"/>
+                <a:gd name="connsiteY1" fmla="*/ 0 h 1948441"/>
+                <a:gd name="connsiteX2" fmla="*/ 1435694 w 1435694"/>
+                <a:gd name="connsiteY2" fmla="*/ 1948441 h 1948441"/>
+                <a:gd name="connsiteX3" fmla="*/ 0 w 1435694"/>
+                <a:gd name="connsiteY3" fmla="*/ 1948441 h 1948441"/>
+                <a:gd name="connsiteX4" fmla="*/ 0 w 1435694"/>
+                <a:gd name="connsiteY4" fmla="*/ 8546 h 1948441"/>
+                <a:gd name="connsiteX0" fmla="*/ 0 w 1435694"/>
+                <a:gd name="connsiteY0" fmla="*/ 8546 h 1948441"/>
+                <a:gd name="connsiteX1" fmla="*/ 1093862 w 1435694"/>
+                <a:gd name="connsiteY1" fmla="*/ 0 h 1948441"/>
+                <a:gd name="connsiteX2" fmla="*/ 1256232 w 1435694"/>
+                <a:gd name="connsiteY2" fmla="*/ 914400 h 1948441"/>
+                <a:gd name="connsiteX3" fmla="*/ 1435694 w 1435694"/>
+                <a:gd name="connsiteY3" fmla="*/ 1948441 h 1948441"/>
+                <a:gd name="connsiteX4" fmla="*/ 0 w 1435694"/>
+                <a:gd name="connsiteY4" fmla="*/ 1948441 h 1948441"/>
+                <a:gd name="connsiteX5" fmla="*/ 0 w 1435694"/>
+                <a:gd name="connsiteY5" fmla="*/ 8546 h 1948441"/>
+                <a:gd name="connsiteX0" fmla="*/ 0 w 1435694"/>
+                <a:gd name="connsiteY0" fmla="*/ 8546 h 1948441"/>
+                <a:gd name="connsiteX1" fmla="*/ 1093862 w 1435694"/>
+                <a:gd name="connsiteY1" fmla="*/ 0 h 1948441"/>
+                <a:gd name="connsiteX2" fmla="*/ 1204957 w 1435694"/>
+                <a:gd name="connsiteY2" fmla="*/ 598206 h 1948441"/>
+                <a:gd name="connsiteX3" fmla="*/ 1435694 w 1435694"/>
+                <a:gd name="connsiteY3" fmla="*/ 1948441 h 1948441"/>
+                <a:gd name="connsiteX4" fmla="*/ 0 w 1435694"/>
+                <a:gd name="connsiteY4" fmla="*/ 1948441 h 1948441"/>
+                <a:gd name="connsiteX5" fmla="*/ 0 w 1435694"/>
+                <a:gd name="connsiteY5" fmla="*/ 8546 h 1948441"/>
+                <a:gd name="connsiteX0" fmla="*/ 0 w 1435694"/>
+                <a:gd name="connsiteY0" fmla="*/ 8546 h 1948441"/>
+                <a:gd name="connsiteX1" fmla="*/ 1093862 w 1435694"/>
+                <a:gd name="connsiteY1" fmla="*/ 0 h 1948441"/>
+                <a:gd name="connsiteX2" fmla="*/ 1401510 w 1435694"/>
+                <a:gd name="connsiteY2" fmla="*/ 538385 h 1948441"/>
+                <a:gd name="connsiteX3" fmla="*/ 1435694 w 1435694"/>
+                <a:gd name="connsiteY3" fmla="*/ 1948441 h 1948441"/>
+                <a:gd name="connsiteX4" fmla="*/ 0 w 1435694"/>
+                <a:gd name="connsiteY4" fmla="*/ 1948441 h 1948441"/>
+                <a:gd name="connsiteX5" fmla="*/ 0 w 1435694"/>
+                <a:gd name="connsiteY5" fmla="*/ 8546 h 1948441"/>
+                <a:gd name="connsiteX0" fmla="*/ 0 w 1435694"/>
+                <a:gd name="connsiteY0" fmla="*/ 8546 h 1948441"/>
+                <a:gd name="connsiteX1" fmla="*/ 1093862 w 1435694"/>
+                <a:gd name="connsiteY1" fmla="*/ 0 h 1948441"/>
+                <a:gd name="connsiteX2" fmla="*/ 1367327 w 1435694"/>
+                <a:gd name="connsiteY2" fmla="*/ 324740 h 1948441"/>
+                <a:gd name="connsiteX3" fmla="*/ 1435694 w 1435694"/>
+                <a:gd name="connsiteY3" fmla="*/ 1948441 h 1948441"/>
+                <a:gd name="connsiteX4" fmla="*/ 0 w 1435694"/>
+                <a:gd name="connsiteY4" fmla="*/ 1948441 h 1948441"/>
+                <a:gd name="connsiteX5" fmla="*/ 0 w 1435694"/>
+                <a:gd name="connsiteY5" fmla="*/ 8546 h 1948441"/>
+                <a:gd name="connsiteX0" fmla="*/ 0 w 1435694"/>
+                <a:gd name="connsiteY0" fmla="*/ 8546 h 1948441"/>
+                <a:gd name="connsiteX1" fmla="*/ 1093862 w 1435694"/>
+                <a:gd name="connsiteY1" fmla="*/ 0 h 1948441"/>
+                <a:gd name="connsiteX2" fmla="*/ 1418601 w 1435694"/>
+                <a:gd name="connsiteY2" fmla="*/ 324740 h 1948441"/>
+                <a:gd name="connsiteX3" fmla="*/ 1435694 w 1435694"/>
+                <a:gd name="connsiteY3" fmla="*/ 1948441 h 1948441"/>
+                <a:gd name="connsiteX4" fmla="*/ 0 w 1435694"/>
+                <a:gd name="connsiteY4" fmla="*/ 1948441 h 1948441"/>
+                <a:gd name="connsiteX5" fmla="*/ 0 w 1435694"/>
+                <a:gd name="connsiteY5" fmla="*/ 8546 h 1948441"/>
+                <a:gd name="connsiteX0" fmla="*/ 0 w 1435694"/>
+                <a:gd name="connsiteY0" fmla="*/ 8546 h 1948441"/>
+                <a:gd name="connsiteX1" fmla="*/ 940038 w 1435694"/>
+                <a:gd name="connsiteY1" fmla="*/ 0 h 1948441"/>
+                <a:gd name="connsiteX2" fmla="*/ 1418601 w 1435694"/>
+                <a:gd name="connsiteY2" fmla="*/ 324740 h 1948441"/>
+                <a:gd name="connsiteX3" fmla="*/ 1435694 w 1435694"/>
+                <a:gd name="connsiteY3" fmla="*/ 1948441 h 1948441"/>
+                <a:gd name="connsiteX4" fmla="*/ 0 w 1435694"/>
+                <a:gd name="connsiteY4" fmla="*/ 1948441 h 1948441"/>
+                <a:gd name="connsiteX5" fmla="*/ 0 w 1435694"/>
+                <a:gd name="connsiteY5" fmla="*/ 8546 h 1948441"/>
+                <a:gd name="connsiteX0" fmla="*/ 0 w 1435694"/>
+                <a:gd name="connsiteY0" fmla="*/ 8546 h 1948441"/>
+                <a:gd name="connsiteX1" fmla="*/ 940038 w 1435694"/>
+                <a:gd name="connsiteY1" fmla="*/ 0 h 1948441"/>
+                <a:gd name="connsiteX2" fmla="*/ 1418601 w 1435694"/>
+                <a:gd name="connsiteY2" fmla="*/ 487110 h 1948441"/>
+                <a:gd name="connsiteX3" fmla="*/ 1435694 w 1435694"/>
+                <a:gd name="connsiteY3" fmla="*/ 1948441 h 1948441"/>
+                <a:gd name="connsiteX4" fmla="*/ 0 w 1435694"/>
+                <a:gd name="connsiteY4" fmla="*/ 1948441 h 1948441"/>
+                <a:gd name="connsiteX5" fmla="*/ 0 w 1435694"/>
+                <a:gd name="connsiteY5" fmla="*/ 8546 h 1948441"/>
+                <a:gd name="connsiteX0" fmla="*/ 0 w 1443627"/>
+                <a:gd name="connsiteY0" fmla="*/ 4555 h 1948441"/>
+                <a:gd name="connsiteX1" fmla="*/ 947971 w 1443627"/>
+                <a:gd name="connsiteY1" fmla="*/ 0 h 1948441"/>
+                <a:gd name="connsiteX2" fmla="*/ 1426534 w 1443627"/>
+                <a:gd name="connsiteY2" fmla="*/ 487110 h 1948441"/>
+                <a:gd name="connsiteX3" fmla="*/ 1443627 w 1443627"/>
+                <a:gd name="connsiteY3" fmla="*/ 1948441 h 1948441"/>
+                <a:gd name="connsiteX4" fmla="*/ 7933 w 1443627"/>
+                <a:gd name="connsiteY4" fmla="*/ 1948441 h 1948441"/>
+                <a:gd name="connsiteX5" fmla="*/ 0 w 1443627"/>
+                <a:gd name="connsiteY5" fmla="*/ 4555 h 1948441"/>
+                <a:gd name="connsiteX0" fmla="*/ 0 w 1443627"/>
+                <a:gd name="connsiteY0" fmla="*/ 0 h 1943886"/>
+                <a:gd name="connsiteX1" fmla="*/ 943726 w 1443627"/>
+                <a:gd name="connsiteY1" fmla="*/ 3987 h 1943886"/>
+                <a:gd name="connsiteX2" fmla="*/ 1426534 w 1443627"/>
+                <a:gd name="connsiteY2" fmla="*/ 482555 h 1943886"/>
+                <a:gd name="connsiteX3" fmla="*/ 1443627 w 1443627"/>
+                <a:gd name="connsiteY3" fmla="*/ 1943886 h 1943886"/>
+                <a:gd name="connsiteX4" fmla="*/ 7933 w 1443627"/>
+                <a:gd name="connsiteY4" fmla="*/ 1943886 h 1943886"/>
+                <a:gd name="connsiteX5" fmla="*/ 0 w 1443627"/>
+                <a:gd name="connsiteY5" fmla="*/ 0 h 1943886"/>
+                <a:gd name="connsiteX0" fmla="*/ 0 w 1443627"/>
+                <a:gd name="connsiteY0" fmla="*/ 0 h 1943886"/>
+                <a:gd name="connsiteX1" fmla="*/ 943726 w 1443627"/>
+                <a:gd name="connsiteY1" fmla="*/ 3987 h 1943886"/>
+                <a:gd name="connsiteX2" fmla="*/ 1435024 w 1443627"/>
+                <a:gd name="connsiteY2" fmla="*/ 482555 h 1943886"/>
+                <a:gd name="connsiteX3" fmla="*/ 1443627 w 1443627"/>
+                <a:gd name="connsiteY3" fmla="*/ 1943886 h 1943886"/>
+                <a:gd name="connsiteX4" fmla="*/ 7933 w 1443627"/>
+                <a:gd name="connsiteY4" fmla="*/ 1943886 h 1943886"/>
+                <a:gd name="connsiteX5" fmla="*/ 0 w 1443627"/>
+                <a:gd name="connsiteY5" fmla="*/ 0 h 1943886"/>
+              </a:gdLst>
+              <a:ahLst/>
+              <a:cxnLst>
+                <a:cxn ang="0">
+                  <a:pos x="connsiteX0" y="connsiteY0"/>
+                </a:cxn>
+                <a:cxn ang="0">
+                  <a:pos x="connsiteX1" y="connsiteY1"/>
+                </a:cxn>
+                <a:cxn ang="0">
+                  <a:pos x="connsiteX2" y="connsiteY2"/>
+                </a:cxn>
+                <a:cxn ang="0">
+                  <a:pos x="connsiteX3" y="connsiteY3"/>
+                </a:cxn>
+                <a:cxn ang="0">
+                  <a:pos x="connsiteX4" y="connsiteY4"/>
+                </a:cxn>
+                <a:cxn ang="0">
+                  <a:pos x="connsiteX5" y="connsiteY5"/>
+                </a:cxn>
+              </a:cxnLst>
+              <a:rect l="l" t="t" r="r" b="b"/>
+              <a:pathLst>
+                <a:path w="1443627" h="1943886">
+                  <a:moveTo>
+                    <a:pt x="0" y="0"/>
+                  </a:moveTo>
+                  <a:lnTo>
+                    <a:pt x="943726" y="3987"/>
+                  </a:lnTo>
+                  <a:lnTo>
+                    <a:pt x="1435024" y="482555"/>
+                  </a:lnTo>
+                  <a:cubicBezTo>
+                    <a:pt x="1437892" y="969665"/>
+                    <a:pt x="1440759" y="1456776"/>
+                    <a:pt x="1443627" y="1943886"/>
+                  </a:cubicBezTo>
+                  <a:lnTo>
+                    <a:pt x="7933" y="1943886"/>
+                  </a:lnTo>
+                  <a:cubicBezTo>
+                    <a:pt x="5289" y="1295924"/>
+                    <a:pt x="2644" y="647962"/>
+                    <a:pt x="0" y="0"/>
+                  </a:cubicBezTo>
+                  <a:close/>
+                </a:path>
+              </a:pathLst>
+            </a:custGeom>
+            <a:solidFill>
+              <a:schemeClr val="bg1"/>
+            </a:solidFill>
+            <a:ln w="31750">
+              <a:solidFill>
+                <a:schemeClr val="tx1"/>
+              </a:solidFill>
+            </a:ln>
+          </p:spPr>
+          <p:style>
+            <a:lnRef idx="2">
+              <a:schemeClr val="accent1">
+                <a:shade val="15000"/>
+              </a:schemeClr>
+            </a:lnRef>
+            <a:fillRef idx="1">
+              <a:schemeClr val="accent1"/>
+            </a:fillRef>
+            <a:effectRef idx="0">
+              <a:schemeClr val="accent1"/>
+            </a:effectRef>
+            <a:fontRef idx="minor">
+              <a:schemeClr val="lt1"/>
+            </a:fontRef>
+          </p:style>
+          <p:txBody>
+            <a:bodyPr rtlCol="0" anchor="ctr"/>
+            <a:lstStyle/>
+            <a:p>
+              <a:pPr algn="ctr"/>
+              <a:endParaRPr lang="es-CO" dirty="0"/>
+            </a:p>
+          </p:txBody>
+        </p:sp>
+        <p:cxnSp>
+          <p:nvCxnSpPr>
+            <p:cNvPr id="21" name="Conector recto 20">
+              <a:extLst>
+                <a:ext uri="{FF2B5EF4-FFF2-40B4-BE49-F238E27FC236}">
+                  <a16:creationId xmlns:a16="http://schemas.microsoft.com/office/drawing/2014/main" id="{034221E8-CD61-758C-A008-D85AD592CBEC}"/>
+                </a:ext>
+              </a:extLst>
+            </p:cNvPr>
+            <p:cNvCxnSpPr>
+              <a:cxnSpLocks/>
+              <a:stCxn id="20" idx="1"/>
+            </p:cNvCxnSpPr>
+            <p:nvPr/>
+          </p:nvCxnSpPr>
+          <p:spPr>
+            <a:xfrm>
+              <a:off x="2978513" y="2028031"/>
+              <a:ext cx="4943" cy="553801"/>
+            </a:xfrm>
+            <a:prstGeom prst="line">
+              <a:avLst/>
+            </a:prstGeom>
+            <a:ln w="28575">
+              <a:solidFill>
+                <a:schemeClr val="tx1"/>
+              </a:solidFill>
+            </a:ln>
+          </p:spPr>
+          <p:style>
+            <a:lnRef idx="1">
+              <a:schemeClr val="accent1"/>
+            </a:lnRef>
+            <a:fillRef idx="0">
+              <a:schemeClr val="accent1"/>
+            </a:fillRef>
+            <a:effectRef idx="0">
+              <a:schemeClr val="accent1"/>
+            </a:effectRef>
+            <a:fontRef idx="minor">
+              <a:schemeClr val="tx1"/>
+            </a:fontRef>
+          </p:style>
+        </p:cxnSp>
+        <p:cxnSp>
+          <p:nvCxnSpPr>
+            <p:cNvPr id="22" name="Conector recto 21">
+              <a:extLst>
+                <a:ext uri="{FF2B5EF4-FFF2-40B4-BE49-F238E27FC236}">
+                  <a16:creationId xmlns:a16="http://schemas.microsoft.com/office/drawing/2014/main" id="{19367F52-0E3A-A724-4286-880A6E4BD382}"/>
+                </a:ext>
+              </a:extLst>
+            </p:cNvPr>
+            <p:cNvCxnSpPr>
+              <a:cxnSpLocks/>
+              <a:endCxn id="20" idx="2"/>
+            </p:cNvCxnSpPr>
+            <p:nvPr/>
+          </p:nvCxnSpPr>
+          <p:spPr>
+            <a:xfrm>
+              <a:off x="2983456" y="2581832"/>
+              <a:ext cx="567145" cy="1"/>
+            </a:xfrm>
+            <a:prstGeom prst="line">
+              <a:avLst/>
+            </a:prstGeom>
+            <a:ln w="25400">
+              <a:solidFill>
+                <a:schemeClr val="tx1"/>
+              </a:solidFill>
+            </a:ln>
+          </p:spPr>
+          <p:style>
+            <a:lnRef idx="1">
+              <a:schemeClr val="accent1"/>
+            </a:lnRef>
+            <a:fillRef idx="0">
+              <a:schemeClr val="accent1"/>
+            </a:fillRef>
+            <a:effectRef idx="0">
+              <a:schemeClr val="accent1"/>
+            </a:effectRef>
+            <a:fontRef idx="minor">
+              <a:schemeClr val="tx1"/>
+            </a:fontRef>
+          </p:style>
+        </p:cxnSp>
+      </p:grpSp>
+      <p:grpSp>
+        <p:nvGrpSpPr>
+          <p:cNvPr id="23" name="Grupo 22">
+            <a:extLst>
+              <a:ext uri="{FF2B5EF4-FFF2-40B4-BE49-F238E27FC236}">
+                <a16:creationId xmlns:a16="http://schemas.microsoft.com/office/drawing/2014/main" id="{65D6FF14-09EE-F8DE-52BC-EEBC0C73EFFC}"/>
+              </a:ext>
+            </a:extLst>
+          </p:cNvPr>
+          <p:cNvGrpSpPr/>
+          <p:nvPr/>
+        </p:nvGrpSpPr>
+        <p:grpSpPr>
+          <a:xfrm>
+            <a:off x="2394541" y="3101370"/>
+            <a:ext cx="718364" cy="916188"/>
+            <a:chOff x="1879599" y="2023417"/>
+            <a:chExt cx="1681020" cy="2249480"/>
+          </a:xfrm>
+        </p:grpSpPr>
+        <p:sp>
+          <p:nvSpPr>
+            <p:cNvPr id="24" name="Rectángulo 11">
+              <a:extLst>
+                <a:ext uri="{FF2B5EF4-FFF2-40B4-BE49-F238E27FC236}">
+                  <a16:creationId xmlns:a16="http://schemas.microsoft.com/office/drawing/2014/main" id="{066F8F8C-39F3-C54E-F392-4ACBF892ED51}"/>
+                </a:ext>
+              </a:extLst>
+            </p:cNvPr>
+            <p:cNvSpPr/>
+            <p:nvPr/>
+          </p:nvSpPr>
+          <p:spPr>
+            <a:xfrm>
+              <a:off x="1879599" y="2023417"/>
+              <a:ext cx="1681020" cy="2249480"/>
+            </a:xfrm>
+            <a:custGeom>
+              <a:avLst/>
+              <a:gdLst>
+                <a:gd name="connsiteX0" fmla="*/ 0 w 1435694"/>
+                <a:gd name="connsiteY0" fmla="*/ 0 h 1939895"/>
+                <a:gd name="connsiteX1" fmla="*/ 1435694 w 1435694"/>
+                <a:gd name="connsiteY1" fmla="*/ 0 h 1939895"/>
+                <a:gd name="connsiteX2" fmla="*/ 1435694 w 1435694"/>
+                <a:gd name="connsiteY2" fmla="*/ 1939895 h 1939895"/>
+                <a:gd name="connsiteX3" fmla="*/ 0 w 1435694"/>
+                <a:gd name="connsiteY3" fmla="*/ 1939895 h 1939895"/>
+                <a:gd name="connsiteX4" fmla="*/ 0 w 1435694"/>
+                <a:gd name="connsiteY4" fmla="*/ 0 h 1939895"/>
+                <a:gd name="connsiteX0" fmla="*/ 0 w 1435694"/>
+                <a:gd name="connsiteY0" fmla="*/ 8546 h 1948441"/>
+                <a:gd name="connsiteX1" fmla="*/ 1093862 w 1435694"/>
+                <a:gd name="connsiteY1" fmla="*/ 0 h 1948441"/>
+                <a:gd name="connsiteX2" fmla="*/ 1435694 w 1435694"/>
+                <a:gd name="connsiteY2" fmla="*/ 1948441 h 1948441"/>
+                <a:gd name="connsiteX3" fmla="*/ 0 w 1435694"/>
+                <a:gd name="connsiteY3" fmla="*/ 1948441 h 1948441"/>
+                <a:gd name="connsiteX4" fmla="*/ 0 w 1435694"/>
+                <a:gd name="connsiteY4" fmla="*/ 8546 h 1948441"/>
+                <a:gd name="connsiteX0" fmla="*/ 0 w 1435694"/>
+                <a:gd name="connsiteY0" fmla="*/ 8546 h 1948441"/>
+                <a:gd name="connsiteX1" fmla="*/ 1093862 w 1435694"/>
+                <a:gd name="connsiteY1" fmla="*/ 0 h 1948441"/>
+                <a:gd name="connsiteX2" fmla="*/ 1256232 w 1435694"/>
+                <a:gd name="connsiteY2" fmla="*/ 914400 h 1948441"/>
+                <a:gd name="connsiteX3" fmla="*/ 1435694 w 1435694"/>
+                <a:gd name="connsiteY3" fmla="*/ 1948441 h 1948441"/>
+                <a:gd name="connsiteX4" fmla="*/ 0 w 1435694"/>
+                <a:gd name="connsiteY4" fmla="*/ 1948441 h 1948441"/>
+                <a:gd name="connsiteX5" fmla="*/ 0 w 1435694"/>
+                <a:gd name="connsiteY5" fmla="*/ 8546 h 1948441"/>
+                <a:gd name="connsiteX0" fmla="*/ 0 w 1435694"/>
+                <a:gd name="connsiteY0" fmla="*/ 8546 h 1948441"/>
+                <a:gd name="connsiteX1" fmla="*/ 1093862 w 1435694"/>
+                <a:gd name="connsiteY1" fmla="*/ 0 h 1948441"/>
+                <a:gd name="connsiteX2" fmla="*/ 1204957 w 1435694"/>
+                <a:gd name="connsiteY2" fmla="*/ 598206 h 1948441"/>
+                <a:gd name="connsiteX3" fmla="*/ 1435694 w 1435694"/>
+                <a:gd name="connsiteY3" fmla="*/ 1948441 h 1948441"/>
+                <a:gd name="connsiteX4" fmla="*/ 0 w 1435694"/>
+                <a:gd name="connsiteY4" fmla="*/ 1948441 h 1948441"/>
+                <a:gd name="connsiteX5" fmla="*/ 0 w 1435694"/>
+                <a:gd name="connsiteY5" fmla="*/ 8546 h 1948441"/>
+                <a:gd name="connsiteX0" fmla="*/ 0 w 1435694"/>
+                <a:gd name="connsiteY0" fmla="*/ 8546 h 1948441"/>
+                <a:gd name="connsiteX1" fmla="*/ 1093862 w 1435694"/>
+                <a:gd name="connsiteY1" fmla="*/ 0 h 1948441"/>
+                <a:gd name="connsiteX2" fmla="*/ 1401510 w 1435694"/>
+                <a:gd name="connsiteY2" fmla="*/ 538385 h 1948441"/>
+                <a:gd name="connsiteX3" fmla="*/ 1435694 w 1435694"/>
+                <a:gd name="connsiteY3" fmla="*/ 1948441 h 1948441"/>
+                <a:gd name="connsiteX4" fmla="*/ 0 w 1435694"/>
+                <a:gd name="connsiteY4" fmla="*/ 1948441 h 1948441"/>
+                <a:gd name="connsiteX5" fmla="*/ 0 w 1435694"/>
+                <a:gd name="connsiteY5" fmla="*/ 8546 h 1948441"/>
+                <a:gd name="connsiteX0" fmla="*/ 0 w 1435694"/>
+                <a:gd name="connsiteY0" fmla="*/ 8546 h 1948441"/>
+                <a:gd name="connsiteX1" fmla="*/ 1093862 w 1435694"/>
+                <a:gd name="connsiteY1" fmla="*/ 0 h 1948441"/>
+                <a:gd name="connsiteX2" fmla="*/ 1367327 w 1435694"/>
+                <a:gd name="connsiteY2" fmla="*/ 324740 h 1948441"/>
+                <a:gd name="connsiteX3" fmla="*/ 1435694 w 1435694"/>
+                <a:gd name="connsiteY3" fmla="*/ 1948441 h 1948441"/>
+                <a:gd name="connsiteX4" fmla="*/ 0 w 1435694"/>
+                <a:gd name="connsiteY4" fmla="*/ 1948441 h 1948441"/>
+                <a:gd name="connsiteX5" fmla="*/ 0 w 1435694"/>
+                <a:gd name="connsiteY5" fmla="*/ 8546 h 1948441"/>
+                <a:gd name="connsiteX0" fmla="*/ 0 w 1435694"/>
+                <a:gd name="connsiteY0" fmla="*/ 8546 h 1948441"/>
+                <a:gd name="connsiteX1" fmla="*/ 1093862 w 1435694"/>
+                <a:gd name="connsiteY1" fmla="*/ 0 h 1948441"/>
+                <a:gd name="connsiteX2" fmla="*/ 1418601 w 1435694"/>
+                <a:gd name="connsiteY2" fmla="*/ 324740 h 1948441"/>
+                <a:gd name="connsiteX3" fmla="*/ 1435694 w 1435694"/>
+                <a:gd name="connsiteY3" fmla="*/ 1948441 h 1948441"/>
+                <a:gd name="connsiteX4" fmla="*/ 0 w 1435694"/>
+                <a:gd name="connsiteY4" fmla="*/ 1948441 h 1948441"/>
+                <a:gd name="connsiteX5" fmla="*/ 0 w 1435694"/>
+                <a:gd name="connsiteY5" fmla="*/ 8546 h 1948441"/>
+                <a:gd name="connsiteX0" fmla="*/ 0 w 1435694"/>
+                <a:gd name="connsiteY0" fmla="*/ 8546 h 1948441"/>
+                <a:gd name="connsiteX1" fmla="*/ 940038 w 1435694"/>
+                <a:gd name="connsiteY1" fmla="*/ 0 h 1948441"/>
+                <a:gd name="connsiteX2" fmla="*/ 1418601 w 1435694"/>
+                <a:gd name="connsiteY2" fmla="*/ 324740 h 1948441"/>
+                <a:gd name="connsiteX3" fmla="*/ 1435694 w 1435694"/>
+                <a:gd name="connsiteY3" fmla="*/ 1948441 h 1948441"/>
+                <a:gd name="connsiteX4" fmla="*/ 0 w 1435694"/>
+                <a:gd name="connsiteY4" fmla="*/ 1948441 h 1948441"/>
+                <a:gd name="connsiteX5" fmla="*/ 0 w 1435694"/>
+                <a:gd name="connsiteY5" fmla="*/ 8546 h 1948441"/>
+                <a:gd name="connsiteX0" fmla="*/ 0 w 1435694"/>
+                <a:gd name="connsiteY0" fmla="*/ 8546 h 1948441"/>
+                <a:gd name="connsiteX1" fmla="*/ 940038 w 1435694"/>
+                <a:gd name="connsiteY1" fmla="*/ 0 h 1948441"/>
+                <a:gd name="connsiteX2" fmla="*/ 1418601 w 1435694"/>
+                <a:gd name="connsiteY2" fmla="*/ 487110 h 1948441"/>
+                <a:gd name="connsiteX3" fmla="*/ 1435694 w 1435694"/>
+                <a:gd name="connsiteY3" fmla="*/ 1948441 h 1948441"/>
+                <a:gd name="connsiteX4" fmla="*/ 0 w 1435694"/>
+                <a:gd name="connsiteY4" fmla="*/ 1948441 h 1948441"/>
+                <a:gd name="connsiteX5" fmla="*/ 0 w 1435694"/>
+                <a:gd name="connsiteY5" fmla="*/ 8546 h 1948441"/>
+                <a:gd name="connsiteX0" fmla="*/ 0 w 1443627"/>
+                <a:gd name="connsiteY0" fmla="*/ 4555 h 1948441"/>
+                <a:gd name="connsiteX1" fmla="*/ 947971 w 1443627"/>
+                <a:gd name="connsiteY1" fmla="*/ 0 h 1948441"/>
+                <a:gd name="connsiteX2" fmla="*/ 1426534 w 1443627"/>
+                <a:gd name="connsiteY2" fmla="*/ 487110 h 1948441"/>
+                <a:gd name="connsiteX3" fmla="*/ 1443627 w 1443627"/>
+                <a:gd name="connsiteY3" fmla="*/ 1948441 h 1948441"/>
+                <a:gd name="connsiteX4" fmla="*/ 7933 w 1443627"/>
+                <a:gd name="connsiteY4" fmla="*/ 1948441 h 1948441"/>
+                <a:gd name="connsiteX5" fmla="*/ 0 w 1443627"/>
+                <a:gd name="connsiteY5" fmla="*/ 4555 h 1948441"/>
+                <a:gd name="connsiteX0" fmla="*/ 0 w 1443627"/>
+                <a:gd name="connsiteY0" fmla="*/ 0 h 1943886"/>
+                <a:gd name="connsiteX1" fmla="*/ 943726 w 1443627"/>
+                <a:gd name="connsiteY1" fmla="*/ 3987 h 1943886"/>
+                <a:gd name="connsiteX2" fmla="*/ 1426534 w 1443627"/>
+                <a:gd name="connsiteY2" fmla="*/ 482555 h 1943886"/>
+                <a:gd name="connsiteX3" fmla="*/ 1443627 w 1443627"/>
+                <a:gd name="connsiteY3" fmla="*/ 1943886 h 1943886"/>
+                <a:gd name="connsiteX4" fmla="*/ 7933 w 1443627"/>
+                <a:gd name="connsiteY4" fmla="*/ 1943886 h 1943886"/>
+                <a:gd name="connsiteX5" fmla="*/ 0 w 1443627"/>
+                <a:gd name="connsiteY5" fmla="*/ 0 h 1943886"/>
+                <a:gd name="connsiteX0" fmla="*/ 0 w 1443627"/>
+                <a:gd name="connsiteY0" fmla="*/ 0 h 1943886"/>
+                <a:gd name="connsiteX1" fmla="*/ 943726 w 1443627"/>
+                <a:gd name="connsiteY1" fmla="*/ 3987 h 1943886"/>
+                <a:gd name="connsiteX2" fmla="*/ 1435024 w 1443627"/>
+                <a:gd name="connsiteY2" fmla="*/ 482555 h 1943886"/>
+                <a:gd name="connsiteX3" fmla="*/ 1443627 w 1443627"/>
+                <a:gd name="connsiteY3" fmla="*/ 1943886 h 1943886"/>
+                <a:gd name="connsiteX4" fmla="*/ 7933 w 1443627"/>
+                <a:gd name="connsiteY4" fmla="*/ 1943886 h 1943886"/>
+                <a:gd name="connsiteX5" fmla="*/ 0 w 1443627"/>
+                <a:gd name="connsiteY5" fmla="*/ 0 h 1943886"/>
+              </a:gdLst>
+              <a:ahLst/>
+              <a:cxnLst>
+                <a:cxn ang="0">
+                  <a:pos x="connsiteX0" y="connsiteY0"/>
+                </a:cxn>
+                <a:cxn ang="0">
+                  <a:pos x="connsiteX1" y="connsiteY1"/>
+                </a:cxn>
+                <a:cxn ang="0">
+                  <a:pos x="connsiteX2" y="connsiteY2"/>
+                </a:cxn>
+                <a:cxn ang="0">
+                  <a:pos x="connsiteX3" y="connsiteY3"/>
+                </a:cxn>
+                <a:cxn ang="0">
+                  <a:pos x="connsiteX4" y="connsiteY4"/>
+                </a:cxn>
+                <a:cxn ang="0">
+                  <a:pos x="connsiteX5" y="connsiteY5"/>
+                </a:cxn>
+              </a:cxnLst>
+              <a:rect l="l" t="t" r="r" b="b"/>
+              <a:pathLst>
+                <a:path w="1443627" h="1943886">
+                  <a:moveTo>
+                    <a:pt x="0" y="0"/>
+                  </a:moveTo>
+                  <a:lnTo>
+                    <a:pt x="943726" y="3987"/>
+                  </a:lnTo>
+                  <a:lnTo>
+                    <a:pt x="1435024" y="482555"/>
+                  </a:lnTo>
+                  <a:cubicBezTo>
+                    <a:pt x="1437892" y="969665"/>
+                    <a:pt x="1440759" y="1456776"/>
+                    <a:pt x="1443627" y="1943886"/>
+                  </a:cubicBezTo>
+                  <a:lnTo>
+                    <a:pt x="7933" y="1943886"/>
+                  </a:lnTo>
+                  <a:cubicBezTo>
+                    <a:pt x="5289" y="1295924"/>
+                    <a:pt x="2644" y="647962"/>
+                    <a:pt x="0" y="0"/>
+                  </a:cubicBezTo>
+                  <a:close/>
+                </a:path>
+              </a:pathLst>
+            </a:custGeom>
+            <a:solidFill>
+              <a:schemeClr val="bg1"/>
+            </a:solidFill>
+            <a:ln w="31750">
+              <a:solidFill>
+                <a:schemeClr val="tx1"/>
+              </a:solidFill>
+            </a:ln>
+          </p:spPr>
+          <p:style>
+            <a:lnRef idx="2">
+              <a:schemeClr val="accent1">
+                <a:shade val="15000"/>
+              </a:schemeClr>
+            </a:lnRef>
+            <a:fillRef idx="1">
+              <a:schemeClr val="accent1"/>
+            </a:fillRef>
+            <a:effectRef idx="0">
+              <a:schemeClr val="accent1"/>
+            </a:effectRef>
+            <a:fontRef idx="minor">
+              <a:schemeClr val="lt1"/>
+            </a:fontRef>
+          </p:style>
+          <p:txBody>
+            <a:bodyPr rtlCol="0" anchor="ctr"/>
+            <a:lstStyle/>
+            <a:p>
+              <a:pPr algn="ctr"/>
+              <a:endParaRPr lang="es-CO" dirty="0"/>
+            </a:p>
+          </p:txBody>
+        </p:sp>
+        <p:cxnSp>
+          <p:nvCxnSpPr>
+            <p:cNvPr id="25" name="Conector recto 24">
+              <a:extLst>
+                <a:ext uri="{FF2B5EF4-FFF2-40B4-BE49-F238E27FC236}">
+                  <a16:creationId xmlns:a16="http://schemas.microsoft.com/office/drawing/2014/main" id="{35F40874-CC29-4800-04BC-81512F226A65}"/>
+                </a:ext>
+              </a:extLst>
+            </p:cNvPr>
+            <p:cNvCxnSpPr>
+              <a:cxnSpLocks/>
+              <a:stCxn id="24" idx="1"/>
+            </p:cNvCxnSpPr>
+            <p:nvPr/>
+          </p:nvCxnSpPr>
+          <p:spPr>
+            <a:xfrm>
+              <a:off x="2978513" y="2028031"/>
+              <a:ext cx="4943" cy="553801"/>
+            </a:xfrm>
+            <a:prstGeom prst="line">
+              <a:avLst/>
+            </a:prstGeom>
+            <a:ln w="28575">
+              <a:solidFill>
+                <a:schemeClr val="tx1"/>
+              </a:solidFill>
+            </a:ln>
+          </p:spPr>
+          <p:style>
+            <a:lnRef idx="1">
+              <a:schemeClr val="accent1"/>
+            </a:lnRef>
+            <a:fillRef idx="0">
+              <a:schemeClr val="accent1"/>
+            </a:fillRef>
+            <a:effectRef idx="0">
+              <a:schemeClr val="accent1"/>
+            </a:effectRef>
+            <a:fontRef idx="minor">
+              <a:schemeClr val="tx1"/>
+            </a:fontRef>
+          </p:style>
+        </p:cxnSp>
+        <p:cxnSp>
+          <p:nvCxnSpPr>
+            <p:cNvPr id="26" name="Conector recto 25">
+              <a:extLst>
+                <a:ext uri="{FF2B5EF4-FFF2-40B4-BE49-F238E27FC236}">
+                  <a16:creationId xmlns:a16="http://schemas.microsoft.com/office/drawing/2014/main" id="{72DC47AC-3981-2B76-71EC-7219D461366E}"/>
+                </a:ext>
+              </a:extLst>
+            </p:cNvPr>
+            <p:cNvCxnSpPr>
+              <a:cxnSpLocks/>
+              <a:endCxn id="24" idx="2"/>
+            </p:cNvCxnSpPr>
+            <p:nvPr/>
+          </p:nvCxnSpPr>
+          <p:spPr>
+            <a:xfrm>
+              <a:off x="2983456" y="2581832"/>
+              <a:ext cx="567145" cy="1"/>
+            </a:xfrm>
+            <a:prstGeom prst="line">
+              <a:avLst/>
+            </a:prstGeom>
+            <a:ln w="25400">
+              <a:solidFill>
+                <a:schemeClr val="tx1"/>
+              </a:solidFill>
+            </a:ln>
+          </p:spPr>
+          <p:style>
+            <a:lnRef idx="1">
+              <a:schemeClr val="accent1"/>
+            </a:lnRef>
+            <a:fillRef idx="0">
+              <a:schemeClr val="accent1"/>
+            </a:fillRef>
+            <a:effectRef idx="0">
+              <a:schemeClr val="accent1"/>
+            </a:effectRef>
+            <a:fontRef idx="minor">
+              <a:schemeClr val="tx1"/>
+            </a:fontRef>
+          </p:style>
+        </p:cxnSp>
+      </p:grpSp>
+    </p:spTree>
+    <p:extLst>
+      <p:ext uri="{BB962C8B-B14F-4D97-AF65-F5344CB8AC3E}">
+        <p14:creationId xmlns:p14="http://schemas.microsoft.com/office/powerpoint/2010/main" val="1693582917"/>
+      </p:ext>
+    </p:extLst>
+  </p:cSld>
+  <p:clrMapOvr>
+    <a:masterClrMapping/>
+  </p:clrMapOvr>
+</p:sld>
+</file>
+
 <file path=ppt/theme/theme1.xml><?xml version="1.0" encoding="utf-8"?>
 <a:theme xmlns:a="http://schemas.openxmlformats.org/drawingml/2006/main" name="Tema de Office">
   <a:themeElements>
